--- a/finalDocuments/魏鹏程-PPT-基于微信小程序的课堂点名系统.pptx
+++ b/finalDocuments/魏鹏程-PPT-基于微信小程序的课堂点名系统.pptx
@@ -5,23 +5,23 @@
     <p:sldMasterId id="2147483648" r:id="rId1"/>
   </p:sldMasterIdLst>
   <p:sldIdLst>
-    <p:sldId id="257" r:id="rId3"/>
-    <p:sldId id="265" r:id="rId4"/>
-    <p:sldId id="258" r:id="rId5"/>
-    <p:sldId id="262" r:id="rId6"/>
-    <p:sldId id="266" r:id="rId7"/>
-    <p:sldId id="267" r:id="rId8"/>
-    <p:sldId id="273" r:id="rId9"/>
-    <p:sldId id="278" r:id="rId10"/>
-    <p:sldId id="292" r:id="rId11"/>
-    <p:sldId id="259" r:id="rId12"/>
-    <p:sldId id="269" r:id="rId13"/>
-    <p:sldId id="282" r:id="rId14"/>
-    <p:sldId id="299" r:id="rId15"/>
-    <p:sldId id="300" r:id="rId16"/>
-    <p:sldId id="260" r:id="rId17"/>
-    <p:sldId id="263" r:id="rId18"/>
-    <p:sldId id="264" r:id="rId19"/>
+    <p:sldId id="257" r:id="rId2"/>
+    <p:sldId id="265" r:id="rId3"/>
+    <p:sldId id="258" r:id="rId4"/>
+    <p:sldId id="262" r:id="rId5"/>
+    <p:sldId id="266" r:id="rId6"/>
+    <p:sldId id="267" r:id="rId7"/>
+    <p:sldId id="273" r:id="rId8"/>
+    <p:sldId id="278" r:id="rId9"/>
+    <p:sldId id="292" r:id="rId10"/>
+    <p:sldId id="259" r:id="rId11"/>
+    <p:sldId id="269" r:id="rId12"/>
+    <p:sldId id="282" r:id="rId13"/>
+    <p:sldId id="299" r:id="rId14"/>
+    <p:sldId id="300" r:id="rId15"/>
+    <p:sldId id="260" r:id="rId16"/>
+    <p:sldId id="263" r:id="rId17"/>
+    <p:sldId id="264" r:id="rId18"/>
   </p:sldIdLst>
   <p:sldSz cx="12192000" cy="6858000"/>
   <p:notesSz cx="6858000" cy="9144000"/>
@@ -120,6 +120,22 @@
       </a:defRPr>
     </a:lvl9pPr>
   </p:defaultTextStyle>
+  <p:extLst>
+    <p:ext uri="{EFAFB233-063F-42B5-8137-9DF3F51BA10A}">
+      <p15:sldGuideLst xmlns:p15="http://schemas.microsoft.com/office/powerpoint/2012/main">
+        <p15:guide id="1" orient="horz" pos="2097">
+          <p15:clr>
+            <a:srgbClr val="A4A3A4"/>
+          </p15:clr>
+        </p15:guide>
+        <p15:guide id="2" pos="3793">
+          <p15:clr>
+            <a:srgbClr val="A4A3A4"/>
+          </p15:clr>
+        </p15:guide>
+      </p15:sldGuideLst>
+    </p:ext>
+  </p:extLst>
 </p:presentation>
 </file>
 
@@ -260,6 +276,7 @@
                   </a:prstClr>
                 </a:solidFill>
               </a:rPr>
+              <a:t>2019/5/28</a:t>
             </a:fld>
             <a:endParaRPr lang="zh-CN" altLang="en-US">
               <a:solidFill>
@@ -319,6 +336,7 @@
                   </a:prstClr>
                 </a:solidFill>
               </a:rPr>
+              <a:t>‹#›</a:t>
             </a:fld>
             <a:endParaRPr lang="zh-CN" altLang="en-US">
               <a:solidFill>
@@ -398,7 +416,6 @@
               <a:rPr lang="zh-CN" altLang="en-US" smtClean="0"/>
               <a:t>单击此处编辑母版文本样式</a:t>
             </a:r>
-            <a:endParaRPr lang="zh-CN" altLang="en-US" smtClean="0"/>
           </a:p>
           <a:p>
             <a:pPr lvl="1"/>
@@ -406,7 +423,6 @@
               <a:rPr lang="zh-CN" altLang="en-US" smtClean="0"/>
               <a:t>第二级</a:t>
             </a:r>
-            <a:endParaRPr lang="zh-CN" altLang="en-US" smtClean="0"/>
           </a:p>
           <a:p>
             <a:pPr lvl="2"/>
@@ -414,7 +430,6 @@
               <a:rPr lang="zh-CN" altLang="en-US" smtClean="0"/>
               <a:t>第三级</a:t>
             </a:r>
-            <a:endParaRPr lang="zh-CN" altLang="en-US" smtClean="0"/>
           </a:p>
           <a:p>
             <a:pPr lvl="3"/>
@@ -422,7 +437,6 @@
               <a:rPr lang="zh-CN" altLang="en-US" smtClean="0"/>
               <a:t>第四级</a:t>
             </a:r>
-            <a:endParaRPr lang="zh-CN" altLang="en-US" smtClean="0"/>
           </a:p>
           <a:p>
             <a:pPr lvl="4"/>
@@ -457,6 +471,7 @@
                   </a:prstClr>
                 </a:solidFill>
               </a:rPr>
+              <a:t>2019/5/28</a:t>
             </a:fld>
             <a:endParaRPr lang="zh-CN" altLang="en-US">
               <a:solidFill>
@@ -516,6 +531,7 @@
                   </a:prstClr>
                 </a:solidFill>
               </a:rPr>
+              <a:t>‹#›</a:t>
             </a:fld>
             <a:endParaRPr lang="zh-CN" altLang="en-US">
               <a:solidFill>
@@ -605,7 +621,6 @@
               <a:rPr lang="zh-CN" altLang="en-US" smtClean="0"/>
               <a:t>单击此处编辑母版文本样式</a:t>
             </a:r>
-            <a:endParaRPr lang="zh-CN" altLang="en-US" smtClean="0"/>
           </a:p>
           <a:p>
             <a:pPr lvl="1"/>
@@ -613,7 +628,6 @@
               <a:rPr lang="zh-CN" altLang="en-US" smtClean="0"/>
               <a:t>第二级</a:t>
             </a:r>
-            <a:endParaRPr lang="zh-CN" altLang="en-US" smtClean="0"/>
           </a:p>
           <a:p>
             <a:pPr lvl="2"/>
@@ -621,7 +635,6 @@
               <a:rPr lang="zh-CN" altLang="en-US" smtClean="0"/>
               <a:t>第三级</a:t>
             </a:r>
-            <a:endParaRPr lang="zh-CN" altLang="en-US" smtClean="0"/>
           </a:p>
           <a:p>
             <a:pPr lvl="3"/>
@@ -629,7 +642,6 @@
               <a:rPr lang="zh-CN" altLang="en-US" smtClean="0"/>
               <a:t>第四级</a:t>
             </a:r>
-            <a:endParaRPr lang="zh-CN" altLang="en-US" smtClean="0"/>
           </a:p>
           <a:p>
             <a:pPr lvl="4"/>
@@ -664,6 +676,7 @@
                   </a:prstClr>
                 </a:solidFill>
               </a:rPr>
+              <a:t>2019/5/28</a:t>
             </a:fld>
             <a:endParaRPr lang="zh-CN" altLang="en-US">
               <a:solidFill>
@@ -723,6 +736,7 @@
                   </a:prstClr>
                 </a:solidFill>
               </a:rPr>
+              <a:t>‹#›</a:t>
             </a:fld>
             <a:endParaRPr lang="zh-CN" altLang="en-US">
               <a:solidFill>
@@ -802,7 +816,6 @@
               <a:rPr lang="zh-CN" altLang="en-US" smtClean="0"/>
               <a:t>单击此处编辑母版文本样式</a:t>
             </a:r>
-            <a:endParaRPr lang="zh-CN" altLang="en-US" smtClean="0"/>
           </a:p>
           <a:p>
             <a:pPr lvl="1"/>
@@ -810,7 +823,6 @@
               <a:rPr lang="zh-CN" altLang="en-US" smtClean="0"/>
               <a:t>第二级</a:t>
             </a:r>
-            <a:endParaRPr lang="zh-CN" altLang="en-US" smtClean="0"/>
           </a:p>
           <a:p>
             <a:pPr lvl="2"/>
@@ -818,7 +830,6 @@
               <a:rPr lang="zh-CN" altLang="en-US" smtClean="0"/>
               <a:t>第三级</a:t>
             </a:r>
-            <a:endParaRPr lang="zh-CN" altLang="en-US" smtClean="0"/>
           </a:p>
           <a:p>
             <a:pPr lvl="3"/>
@@ -826,7 +837,6 @@
               <a:rPr lang="zh-CN" altLang="en-US" smtClean="0"/>
               <a:t>第四级</a:t>
             </a:r>
-            <a:endParaRPr lang="zh-CN" altLang="en-US" smtClean="0"/>
           </a:p>
           <a:p>
             <a:pPr lvl="4"/>
@@ -861,6 +871,7 @@
                   </a:prstClr>
                 </a:solidFill>
               </a:rPr>
+              <a:t>2019/5/28</a:t>
             </a:fld>
             <a:endParaRPr lang="zh-CN" altLang="en-US">
               <a:solidFill>
@@ -920,6 +931,7 @@
                   </a:prstClr>
                 </a:solidFill>
               </a:rPr>
+              <a:t>‹#›</a:t>
             </a:fld>
             <a:endParaRPr lang="zh-CN" altLang="en-US">
               <a:solidFill>
@@ -1104,7 +1116,6 @@
               <a:rPr lang="zh-CN" altLang="en-US" smtClean="0"/>
               <a:t>单击此处编辑母版文本样式</a:t>
             </a:r>
-            <a:endParaRPr lang="zh-CN" altLang="en-US" smtClean="0"/>
           </a:p>
         </p:txBody>
       </p:sp>
@@ -1131,6 +1142,7 @@
                   </a:prstClr>
                 </a:solidFill>
               </a:rPr>
+              <a:t>2019/5/28</a:t>
             </a:fld>
             <a:endParaRPr lang="zh-CN" altLang="en-US">
               <a:solidFill>
@@ -1190,6 +1202,7 @@
                   </a:prstClr>
                 </a:solidFill>
               </a:rPr>
+              <a:t>‹#›</a:t>
             </a:fld>
             <a:endParaRPr lang="zh-CN" altLang="en-US">
               <a:solidFill>
@@ -1274,7 +1287,6 @@
               <a:rPr lang="zh-CN" altLang="en-US" smtClean="0"/>
               <a:t>单击此处编辑母版文本样式</a:t>
             </a:r>
-            <a:endParaRPr lang="zh-CN" altLang="en-US" smtClean="0"/>
           </a:p>
           <a:p>
             <a:pPr lvl="1"/>
@@ -1282,7 +1294,6 @@
               <a:rPr lang="zh-CN" altLang="en-US" smtClean="0"/>
               <a:t>第二级</a:t>
             </a:r>
-            <a:endParaRPr lang="zh-CN" altLang="en-US" smtClean="0"/>
           </a:p>
           <a:p>
             <a:pPr lvl="2"/>
@@ -1290,7 +1301,6 @@
               <a:rPr lang="zh-CN" altLang="en-US" smtClean="0"/>
               <a:t>第三级</a:t>
             </a:r>
-            <a:endParaRPr lang="zh-CN" altLang="en-US" smtClean="0"/>
           </a:p>
           <a:p>
             <a:pPr lvl="3"/>
@@ -1298,7 +1308,6 @@
               <a:rPr lang="zh-CN" altLang="en-US" smtClean="0"/>
               <a:t>第四级</a:t>
             </a:r>
-            <a:endParaRPr lang="zh-CN" altLang="en-US" smtClean="0"/>
           </a:p>
           <a:p>
             <a:pPr lvl="4"/>
@@ -1335,7 +1344,6 @@
               <a:rPr lang="zh-CN" altLang="en-US" smtClean="0"/>
               <a:t>单击此处编辑母版文本样式</a:t>
             </a:r>
-            <a:endParaRPr lang="zh-CN" altLang="en-US" smtClean="0"/>
           </a:p>
           <a:p>
             <a:pPr lvl="1"/>
@@ -1343,7 +1351,6 @@
               <a:rPr lang="zh-CN" altLang="en-US" smtClean="0"/>
               <a:t>第二级</a:t>
             </a:r>
-            <a:endParaRPr lang="zh-CN" altLang="en-US" smtClean="0"/>
           </a:p>
           <a:p>
             <a:pPr lvl="2"/>
@@ -1351,7 +1358,6 @@
               <a:rPr lang="zh-CN" altLang="en-US" smtClean="0"/>
               <a:t>第三级</a:t>
             </a:r>
-            <a:endParaRPr lang="zh-CN" altLang="en-US" smtClean="0"/>
           </a:p>
           <a:p>
             <a:pPr lvl="3"/>
@@ -1359,7 +1365,6 @@
               <a:rPr lang="zh-CN" altLang="en-US" smtClean="0"/>
               <a:t>第四级</a:t>
             </a:r>
-            <a:endParaRPr lang="zh-CN" altLang="en-US" smtClean="0"/>
           </a:p>
           <a:p>
             <a:pPr lvl="4"/>
@@ -1394,6 +1399,7 @@
                   </a:prstClr>
                 </a:solidFill>
               </a:rPr>
+              <a:t>2019/5/28</a:t>
             </a:fld>
             <a:endParaRPr lang="zh-CN" altLang="en-US">
               <a:solidFill>
@@ -1453,6 +1459,7 @@
                   </a:prstClr>
                 </a:solidFill>
               </a:rPr>
+              <a:t>‹#›</a:t>
             </a:fld>
             <a:endParaRPr lang="zh-CN" altLang="en-US">
               <a:solidFill>
@@ -1579,7 +1586,6 @@
               <a:rPr lang="zh-CN" altLang="en-US" smtClean="0"/>
               <a:t>单击此处编辑母版文本样式</a:t>
             </a:r>
-            <a:endParaRPr lang="zh-CN" altLang="en-US" smtClean="0"/>
           </a:p>
         </p:txBody>
       </p:sp>
@@ -1608,7 +1614,6 @@
               <a:rPr lang="zh-CN" altLang="en-US" smtClean="0"/>
               <a:t>单击此处编辑母版文本样式</a:t>
             </a:r>
-            <a:endParaRPr lang="zh-CN" altLang="en-US" smtClean="0"/>
           </a:p>
           <a:p>
             <a:pPr lvl="1"/>
@@ -1616,7 +1621,6 @@
               <a:rPr lang="zh-CN" altLang="en-US" smtClean="0"/>
               <a:t>第二级</a:t>
             </a:r>
-            <a:endParaRPr lang="zh-CN" altLang="en-US" smtClean="0"/>
           </a:p>
           <a:p>
             <a:pPr lvl="2"/>
@@ -1624,7 +1628,6 @@
               <a:rPr lang="zh-CN" altLang="en-US" smtClean="0"/>
               <a:t>第三级</a:t>
             </a:r>
-            <a:endParaRPr lang="zh-CN" altLang="en-US" smtClean="0"/>
           </a:p>
           <a:p>
             <a:pPr lvl="3"/>
@@ -1632,7 +1635,6 @@
               <a:rPr lang="zh-CN" altLang="en-US" smtClean="0"/>
               <a:t>第四级</a:t>
             </a:r>
-            <a:endParaRPr lang="zh-CN" altLang="en-US" smtClean="0"/>
           </a:p>
           <a:p>
             <a:pPr lvl="4"/>
@@ -1706,7 +1708,6 @@
               <a:rPr lang="zh-CN" altLang="en-US" smtClean="0"/>
               <a:t>单击此处编辑母版文本样式</a:t>
             </a:r>
-            <a:endParaRPr lang="zh-CN" altLang="en-US" smtClean="0"/>
           </a:p>
         </p:txBody>
       </p:sp>
@@ -1735,7 +1736,6 @@
               <a:rPr lang="zh-CN" altLang="en-US" smtClean="0"/>
               <a:t>单击此处编辑母版文本样式</a:t>
             </a:r>
-            <a:endParaRPr lang="zh-CN" altLang="en-US" smtClean="0"/>
           </a:p>
           <a:p>
             <a:pPr lvl="1"/>
@@ -1743,7 +1743,6 @@
               <a:rPr lang="zh-CN" altLang="en-US" smtClean="0"/>
               <a:t>第二级</a:t>
             </a:r>
-            <a:endParaRPr lang="zh-CN" altLang="en-US" smtClean="0"/>
           </a:p>
           <a:p>
             <a:pPr lvl="2"/>
@@ -1751,7 +1750,6 @@
               <a:rPr lang="zh-CN" altLang="en-US" smtClean="0"/>
               <a:t>第三级</a:t>
             </a:r>
-            <a:endParaRPr lang="zh-CN" altLang="en-US" smtClean="0"/>
           </a:p>
           <a:p>
             <a:pPr lvl="3"/>
@@ -1759,7 +1757,6 @@
               <a:rPr lang="zh-CN" altLang="en-US" smtClean="0"/>
               <a:t>第四级</a:t>
             </a:r>
-            <a:endParaRPr lang="zh-CN" altLang="en-US" smtClean="0"/>
           </a:p>
           <a:p>
             <a:pPr lvl="4"/>
@@ -1794,6 +1791,7 @@
                   </a:prstClr>
                 </a:solidFill>
               </a:rPr>
+              <a:t>2019/5/28</a:t>
             </a:fld>
             <a:endParaRPr lang="zh-CN" altLang="en-US">
               <a:solidFill>
@@ -1853,6 +1851,7 @@
                   </a:prstClr>
                 </a:solidFill>
               </a:rPr>
+              <a:t>‹#›</a:t>
             </a:fld>
             <a:endParaRPr lang="zh-CN" altLang="en-US">
               <a:solidFill>
@@ -1935,6 +1934,7 @@
                   </a:prstClr>
                 </a:solidFill>
               </a:rPr>
+              <a:t>2019/5/28</a:t>
             </a:fld>
             <a:endParaRPr lang="zh-CN" altLang="en-US">
               <a:solidFill>
@@ -1994,6 +1994,7 @@
                   </a:prstClr>
                 </a:solidFill>
               </a:rPr>
+              <a:t>‹#›</a:t>
             </a:fld>
             <a:endParaRPr lang="zh-CN" altLang="en-US">
               <a:solidFill>
@@ -2053,6 +2054,7 @@
                   </a:prstClr>
                 </a:solidFill>
               </a:rPr>
+              <a:t>2019/5/28</a:t>
             </a:fld>
             <a:endParaRPr lang="zh-CN" altLang="en-US">
               <a:solidFill>
@@ -2112,6 +2114,7 @@
                   </a:prstClr>
                 </a:solidFill>
               </a:rPr>
+              <a:t>‹#›</a:t>
             </a:fld>
             <a:endParaRPr lang="zh-CN" altLang="en-US">
               <a:solidFill>
@@ -2233,7 +2236,6 @@
               <a:rPr lang="zh-CN" altLang="en-US" smtClean="0"/>
               <a:t>单击此处编辑母版文本样式</a:t>
             </a:r>
-            <a:endParaRPr lang="zh-CN" altLang="en-US" smtClean="0"/>
           </a:p>
           <a:p>
             <a:pPr lvl="1"/>
@@ -2241,7 +2243,6 @@
               <a:rPr lang="zh-CN" altLang="en-US" smtClean="0"/>
               <a:t>第二级</a:t>
             </a:r>
-            <a:endParaRPr lang="zh-CN" altLang="en-US" smtClean="0"/>
           </a:p>
           <a:p>
             <a:pPr lvl="2"/>
@@ -2249,7 +2250,6 @@
               <a:rPr lang="zh-CN" altLang="en-US" smtClean="0"/>
               <a:t>第三级</a:t>
             </a:r>
-            <a:endParaRPr lang="zh-CN" altLang="en-US" smtClean="0"/>
           </a:p>
           <a:p>
             <a:pPr lvl="3"/>
@@ -2257,7 +2257,6 @@
               <a:rPr lang="zh-CN" altLang="en-US" smtClean="0"/>
               <a:t>第四级</a:t>
             </a:r>
-            <a:endParaRPr lang="zh-CN" altLang="en-US" smtClean="0"/>
           </a:p>
           <a:p>
             <a:pPr lvl="4"/>
@@ -2331,7 +2330,6 @@
               <a:rPr lang="zh-CN" altLang="en-US" smtClean="0"/>
               <a:t>单击此处编辑母版文本样式</a:t>
             </a:r>
-            <a:endParaRPr lang="zh-CN" altLang="en-US" smtClean="0"/>
           </a:p>
         </p:txBody>
       </p:sp>
@@ -2358,6 +2356,7 @@
                   </a:prstClr>
                 </a:solidFill>
               </a:rPr>
+              <a:t>2019/5/28</a:t>
             </a:fld>
             <a:endParaRPr lang="zh-CN" altLang="en-US">
               <a:solidFill>
@@ -2417,6 +2416,7 @@
                   </a:prstClr>
                 </a:solidFill>
               </a:rPr>
+              <a:t>‹#›</a:t>
             </a:fld>
             <a:endParaRPr lang="zh-CN" altLang="en-US">
               <a:solidFill>
@@ -2608,7 +2608,6 @@
               <a:rPr lang="zh-CN" altLang="en-US" smtClean="0"/>
               <a:t>单击此处编辑母版文本样式</a:t>
             </a:r>
-            <a:endParaRPr lang="zh-CN" altLang="en-US" smtClean="0"/>
           </a:p>
         </p:txBody>
       </p:sp>
@@ -2635,6 +2634,7 @@
                   </a:prstClr>
                 </a:solidFill>
               </a:rPr>
+              <a:t>2019/5/28</a:t>
             </a:fld>
             <a:endParaRPr lang="zh-CN" altLang="en-US">
               <a:solidFill>
@@ -2694,6 +2694,7 @@
                   </a:prstClr>
                 </a:solidFill>
               </a:rPr>
+              <a:t>‹#›</a:t>
             </a:fld>
             <a:endParaRPr lang="zh-CN" altLang="en-US">
               <a:solidFill>
@@ -2798,7 +2799,6 @@
               <a:rPr lang="zh-CN" altLang="en-US" smtClean="0"/>
               <a:t>单击此处编辑母版文本样式</a:t>
             </a:r>
-            <a:endParaRPr lang="zh-CN" altLang="en-US" smtClean="0"/>
           </a:p>
           <a:p>
             <a:pPr lvl="1"/>
@@ -2806,7 +2806,6 @@
               <a:rPr lang="zh-CN" altLang="en-US" smtClean="0"/>
               <a:t>第二级</a:t>
             </a:r>
-            <a:endParaRPr lang="zh-CN" altLang="en-US" smtClean="0"/>
           </a:p>
           <a:p>
             <a:pPr lvl="2"/>
@@ -2814,7 +2813,6 @@
               <a:rPr lang="zh-CN" altLang="en-US" smtClean="0"/>
               <a:t>第三级</a:t>
             </a:r>
-            <a:endParaRPr lang="zh-CN" altLang="en-US" smtClean="0"/>
           </a:p>
           <a:p>
             <a:pPr lvl="3"/>
@@ -2822,7 +2820,6 @@
               <a:rPr lang="zh-CN" altLang="en-US" smtClean="0"/>
               <a:t>第四级</a:t>
             </a:r>
-            <a:endParaRPr lang="zh-CN" altLang="en-US" smtClean="0"/>
           </a:p>
           <a:p>
             <a:pPr lvl="4"/>
@@ -2875,6 +2872,7 @@
                   </a:prstClr>
                 </a:solidFill>
               </a:rPr>
+              <a:t>2019/5/28</a:t>
             </a:fld>
             <a:endParaRPr lang="zh-CN" altLang="en-US">
               <a:solidFill>
@@ -2970,6 +2968,7 @@
                   </a:prstClr>
                 </a:solidFill>
               </a:rPr>
+              <a:t>‹#›</a:t>
             </a:fld>
             <a:endParaRPr lang="zh-CN" altLang="en-US">
               <a:solidFill>
@@ -3541,14 +3540,6 @@
               </a:rPr>
               <a:t>Calling the Roll System Based on WeChat Mini Program</a:t>
             </a:r>
-            <a:endParaRPr lang="en-US" altLang="zh-CN" sz="2400" smtClean="0">
-              <a:solidFill>
-                <a:prstClr val="white"/>
-              </a:solidFill>
-              <a:latin typeface="Gabriola" pitchFamily="82" charset="0"/>
-              <a:ea typeface="Meiryo UI" pitchFamily="34" charset="-128"/>
-              <a:cs typeface="Meiryo UI" pitchFamily="34" charset="-128"/>
-            </a:endParaRPr>
           </a:p>
         </p:txBody>
       </p:sp>
@@ -3600,12 +3591,6 @@
               </a:rPr>
               <a:t>队伍成员：魏鹏程</a:t>
             </a:r>
-            <a:endParaRPr lang="zh-CN" altLang="en-US">
-              <a:solidFill>
-                <a:schemeClr val="bg1"/>
-              </a:solidFill>
-              <a:latin typeface="+mn-ea"/>
-            </a:endParaRPr>
           </a:p>
         </p:txBody>
       </p:sp>
@@ -3633,6 +3618,7 @@
               <a:lightRig rig="threePt" dir="t"/>
             </a:scene3d>
           </a:bodyPr>
+          <a:lstStyle/>
           <a:p>
             <a:pPr algn="l"/>
             <a:r>
@@ -3665,18 +3651,6 @@
               </a:rPr>
               <a:t>ed By Allen</a:t>
             </a:r>
-            <a:endParaRPr lang="en-US" altLang="zh-CN">
-              <a:solidFill>
-                <a:schemeClr val="accent1"/>
-              </a:solidFill>
-              <a:effectLst>
-                <a:outerShdw blurRad="38100" dist="25400" dir="5400000" algn="ctr" rotWithShape="0">
-                  <a:srgbClr val="6E747A">
-                    <a:alpha val="43000"/>
-                  </a:srgbClr>
-                </a:outerShdw>
-              </a:effectLst>
-            </a:endParaRPr>
           </a:p>
         </p:txBody>
       </p:sp>
@@ -3762,11 +3736,6 @@
               </a:rPr>
               <a:t> </a:t>
             </a:r>
-            <a:endParaRPr lang="en-US" altLang="zh-CN">
-              <a:solidFill>
-                <a:prstClr val="white"/>
-              </a:solidFill>
-            </a:endParaRPr>
           </a:p>
         </p:txBody>
       </p:sp>
@@ -3994,13 +3963,6 @@
               </a:rPr>
               <a:t>Docker          </a:t>
             </a:r>
-            <a:endParaRPr lang="en-US" altLang="zh-CN" sz="2400" b="1" smtClean="0">
-              <a:solidFill>
-                <a:prstClr val="white"/>
-              </a:solidFill>
-              <a:latin typeface="微软雅黑 Light" panose="020B0502040204020203" pitchFamily="34" charset="-122"/>
-              <a:ea typeface="微软雅黑 Light" panose="020B0502040204020203" pitchFamily="34" charset="-122"/>
-            </a:endParaRPr>
           </a:p>
           <a:p>
             <a:pPr lvl="1" algn="ctr">
@@ -4017,13 +3979,6 @@
               </a:rPr>
               <a:t>Maven         </a:t>
             </a:r>
-            <a:endParaRPr lang="en-US" altLang="zh-CN" sz="2400" b="1" smtClean="0">
-              <a:solidFill>
-                <a:prstClr val="white"/>
-              </a:solidFill>
-              <a:latin typeface="微软雅黑 Light" panose="020B0502040204020203" pitchFamily="34" charset="-122"/>
-              <a:ea typeface="微软雅黑 Light" panose="020B0502040204020203" pitchFamily="34" charset="-122"/>
-            </a:endParaRPr>
           </a:p>
           <a:p>
             <a:pPr lvl="1" algn="ctr">
@@ -4040,13 +3995,6 @@
               </a:rPr>
               <a:t>Redis    </a:t>
             </a:r>
-            <a:endParaRPr lang="en-US" altLang="zh-CN" sz="2400" b="1" dirty="0">
-              <a:solidFill>
-                <a:prstClr val="white"/>
-              </a:solidFill>
-              <a:latin typeface="微软雅黑 Light" panose="020B0502040204020203" pitchFamily="34" charset="-122"/>
-              <a:ea typeface="微软雅黑 Light" panose="020B0502040204020203" pitchFamily="34" charset="-122"/>
-            </a:endParaRPr>
           </a:p>
           <a:p>
             <a:pPr lvl="4" algn="ctr">
@@ -4063,13 +4011,6 @@
               </a:rPr>
               <a:t>GitHub       </a:t>
             </a:r>
-            <a:endParaRPr lang="en-US" altLang="zh-CN" sz="2400" b="1" dirty="0">
-              <a:solidFill>
-                <a:prstClr val="white"/>
-              </a:solidFill>
-              <a:latin typeface="微软雅黑 Light" panose="020B0502040204020203" pitchFamily="34" charset="-122"/>
-              <a:ea typeface="微软雅黑 Light" panose="020B0502040204020203" pitchFamily="34" charset="-122"/>
-            </a:endParaRPr>
           </a:p>
         </p:txBody>
       </p:sp>
@@ -4093,6 +4034,7 @@
           <a:bodyPr wrap="none" rtlCol="0">
             <a:spAutoFit/>
           </a:bodyPr>
+          <a:lstStyle/>
           <a:p>
             <a:pPr algn="l"/>
             <a:r>
@@ -4288,13 +4230,6 @@
               </a:rPr>
               <a:t>Docker</a:t>
             </a:r>
-            <a:endParaRPr lang="en-US" altLang="zh-CN" sz="4400" dirty="0">
-              <a:solidFill>
-                <a:srgbClr val="0E6EB8"/>
-              </a:solidFill>
-              <a:latin typeface="微软雅黑 Light" panose="020B0502040204020203" pitchFamily="34" charset="-122"/>
-              <a:ea typeface="微软雅黑 Light" panose="020B0502040204020203" pitchFamily="34" charset="-122"/>
-            </a:endParaRPr>
           </a:p>
         </p:txBody>
       </p:sp>
@@ -4318,6 +4253,7 @@
           <a:bodyPr wrap="square" rtlCol="0" anchor="t">
             <a:spAutoFit/>
           </a:bodyPr>
+          <a:lstStyle/>
           <a:p>
             <a:r>
               <a:rPr lang="zh-CN" altLang="en-US" sz="2800">
@@ -4335,19 +4271,6 @@
               </a:rPr>
               <a:t>一次构建，到处部署</a:t>
             </a:r>
-            <a:endParaRPr lang="zh-CN" altLang="en-US" sz="2800">
-              <a:ln/>
-              <a:solidFill>
-                <a:schemeClr val="accent1"/>
-              </a:solidFill>
-              <a:effectLst>
-                <a:outerShdw blurRad="38100" dist="25400" dir="5400000" algn="ctr" rotWithShape="0">
-                  <a:srgbClr val="6E747A">
-                    <a:alpha val="43000"/>
-                  </a:srgbClr>
-                </a:outerShdw>
-              </a:effectLst>
-            </a:endParaRPr>
           </a:p>
           <a:p>
             <a:r>
@@ -4382,19 +4305,6 @@
               </a:rPr>
               <a:t>简化软件的安装、配置</a:t>
             </a:r>
-            <a:endParaRPr lang="zh-CN" altLang="en-US" sz="2800">
-              <a:ln/>
-              <a:solidFill>
-                <a:schemeClr val="accent1"/>
-              </a:solidFill>
-              <a:effectLst>
-                <a:outerShdw blurRad="38100" dist="25400" dir="5400000" algn="ctr" rotWithShape="0">
-                  <a:srgbClr val="6E747A">
-                    <a:alpha val="43000"/>
-                  </a:srgbClr>
-                </a:outerShdw>
-              </a:effectLst>
-            </a:endParaRPr>
           </a:p>
         </p:txBody>
       </p:sp>
@@ -4443,6 +4353,7 @@
         </p:style>
         <p:txBody>
           <a:bodyPr rtlCol="0" anchor="ctr"/>
+          <a:lstStyle/>
           <a:p>
             <a:pPr algn="ctr"/>
             <a:endParaRPr lang="zh-CN" altLang="en-US">
@@ -4498,6 +4409,7 @@
         </p:style>
         <p:txBody>
           <a:bodyPr rtlCol="0" anchor="ctr"/>
+          <a:lstStyle/>
           <a:p>
             <a:pPr algn="ctr"/>
             <a:endParaRPr lang="zh-CN" altLang="en-US">
@@ -4528,6 +4440,7 @@
           <a:bodyPr wrap="none" rtlCol="0">
             <a:spAutoFit/>
           </a:bodyPr>
+          <a:lstStyle/>
           <a:p>
             <a:pPr algn="ctr"/>
             <a:r>
@@ -4561,7 +4474,7 @@
           <p:nvPr/>
         </p:nvPicPr>
         <p:blipFill>
-          <a:blip r:embed="rId1"/>
+          <a:blip r:embed="rId2"/>
           <a:stretch>
             <a:fillRect/>
           </a:stretch>
@@ -4753,13 +4666,6 @@
               </a:rPr>
               <a:t>Maven</a:t>
             </a:r>
-            <a:endParaRPr lang="en-US" altLang="zh-CN" sz="4400" dirty="0">
-              <a:solidFill>
-                <a:srgbClr val="0E6EB8"/>
-              </a:solidFill>
-              <a:latin typeface="微软雅黑 Light" panose="020B0502040204020203" pitchFamily="34" charset="-122"/>
-              <a:ea typeface="微软雅黑 Light" panose="020B0502040204020203" pitchFamily="34" charset="-122"/>
-            </a:endParaRPr>
           </a:p>
         </p:txBody>
       </p:sp>
@@ -4772,7 +4678,7 @@
           <p:nvPr/>
         </p:nvPicPr>
         <p:blipFill>
-          <a:blip r:embed="rId1"/>
+          <a:blip r:embed="rId2"/>
           <a:stretch>
             <a:fillRect/>
           </a:stretch>
@@ -4807,6 +4713,7 @@
           <a:bodyPr wrap="square" rtlCol="0" anchor="t">
             <a:spAutoFit/>
           </a:bodyPr>
+          <a:lstStyle/>
           <a:p>
             <a:r>
               <a:rPr lang="zh-CN" altLang="en-US" sz="3600">
@@ -4862,21 +4769,6 @@
               </a:rPr>
               <a:t>包！</a:t>
             </a:r>
-            <a:endParaRPr lang="zh-CN" altLang="en-US" sz="3600">
-              <a:ln w="22225">
-                <a:solidFill>
-                  <a:schemeClr val="accent2"/>
-                </a:solidFill>
-                <a:prstDash val="solid"/>
-              </a:ln>
-              <a:solidFill>
-                <a:schemeClr val="accent2">
-                  <a:lumMod val="40000"/>
-                  <a:lumOff val="60000"/>
-                </a:schemeClr>
-              </a:solidFill>
-              <a:effectLst/>
-            </a:endParaRPr>
           </a:p>
         </p:txBody>
       </p:sp>
@@ -4900,6 +4792,7 @@
           <a:bodyPr wrap="none" rtlCol="0">
             <a:spAutoFit/>
           </a:bodyPr>
+          <a:lstStyle/>
           <a:p>
             <a:pPr algn="ctr"/>
             <a:r>
@@ -5101,13 +4994,6 @@
               </a:rPr>
               <a:t>Redis</a:t>
             </a:r>
-            <a:endParaRPr lang="en-US" altLang="zh-CN" sz="4400" dirty="0">
-              <a:solidFill>
-                <a:srgbClr val="0E6EB8"/>
-              </a:solidFill>
-              <a:latin typeface="微软雅黑 Light" panose="020B0502040204020203" pitchFamily="34" charset="-122"/>
-              <a:ea typeface="微软雅黑 Light" panose="020B0502040204020203" pitchFamily="34" charset="-122"/>
-            </a:endParaRPr>
           </a:p>
         </p:txBody>
       </p:sp>
@@ -5131,6 +5017,7 @@
           <a:bodyPr wrap="square" rtlCol="0" anchor="t">
             <a:spAutoFit/>
           </a:bodyPr>
+          <a:lstStyle/>
           <a:p>
             <a:r>
               <a:rPr lang="en-US" altLang="zh-CN" sz="3600">
@@ -5164,19 +5051,6 @@
               </a:rPr>
               <a:t>的杰出代表</a:t>
             </a:r>
-            <a:endParaRPr lang="zh-CN" altLang="en-US" sz="3600">
-              <a:ln/>
-              <a:solidFill>
-                <a:schemeClr val="accent1"/>
-              </a:solidFill>
-              <a:effectLst>
-                <a:outerShdw blurRad="38100" dist="25400" dir="5400000" algn="ctr" rotWithShape="0">
-                  <a:srgbClr val="6E747A">
-                    <a:alpha val="43000"/>
-                  </a:srgbClr>
-                </a:outerShdw>
-              </a:effectLst>
-            </a:endParaRPr>
           </a:p>
         </p:txBody>
       </p:sp>
@@ -5200,6 +5074,7 @@
           <a:bodyPr wrap="none" rtlCol="0">
             <a:spAutoFit/>
           </a:bodyPr>
+          <a:lstStyle/>
           <a:p>
             <a:pPr algn="ctr"/>
             <a:r>
@@ -5233,7 +5108,7 @@
           <p:nvPr/>
         </p:nvPicPr>
         <p:blipFill>
-          <a:blip r:embed="rId1"/>
+          <a:blip r:embed="rId2"/>
           <a:stretch>
             <a:fillRect/>
           </a:stretch>
@@ -5425,13 +5300,6 @@
               </a:rPr>
               <a:t>GitHub</a:t>
             </a:r>
-            <a:endParaRPr lang="en-US" altLang="zh-CN" sz="4400" dirty="0">
-              <a:solidFill>
-                <a:srgbClr val="0E6EB8"/>
-              </a:solidFill>
-              <a:latin typeface="微软雅黑 Light" panose="020B0502040204020203" pitchFamily="34" charset="-122"/>
-              <a:ea typeface="微软雅黑 Light" panose="020B0502040204020203" pitchFamily="34" charset="-122"/>
-            </a:endParaRPr>
           </a:p>
         </p:txBody>
       </p:sp>
@@ -5455,6 +5323,7 @@
           <a:bodyPr wrap="none" rtlCol="0">
             <a:spAutoFit/>
           </a:bodyPr>
+          <a:lstStyle/>
           <a:p>
             <a:pPr algn="ctr"/>
             <a:r>
@@ -5488,7 +5357,7 @@
           <p:nvPr/>
         </p:nvPicPr>
         <p:blipFill>
-          <a:blip r:embed="rId1"/>
+          <a:blip r:embed="rId2"/>
           <a:stretch>
             <a:fillRect/>
           </a:stretch>
@@ -5523,6 +5392,7 @@
           <a:bodyPr wrap="square" rtlCol="0" anchor="t">
             <a:spAutoFit/>
           </a:bodyPr>
+          <a:lstStyle/>
           <a:p>
             <a:r>
               <a:rPr lang="zh-CN" altLang="en-US" sz="2800">
@@ -5540,7 +5410,25 @@
               </a:rPr>
               <a:t>The world's leading software development platform</a:t>
             </a:r>
-            <a:endParaRPr lang="zh-CN" altLang="en-US" sz="2800">
+          </a:p>
+          <a:p>
+            <a:r>
+              <a:rPr lang="en-US" altLang="zh-CN" sz="2000">
+                <a:ln/>
+                <a:solidFill>
+                  <a:schemeClr val="accent1"/>
+                </a:solidFill>
+                <a:effectLst>
+                  <a:outerShdw blurRad="38100" dist="25400" dir="5400000" algn="ctr" rotWithShape="0">
+                    <a:srgbClr val="6E747A">
+                      <a:alpha val="43000"/>
+                    </a:srgbClr>
+                  </a:outerShdw>
+                </a:effectLst>
+              </a:rPr>
+              <a:t>								  </a:t>
+            </a:r>
+            <a:endParaRPr lang="zh-CN" altLang="en-US" sz="2000">
               <a:ln/>
               <a:solidFill>
                 <a:schemeClr val="accent1"/>
@@ -5554,37 +5442,6 @@
               </a:effectLst>
             </a:endParaRPr>
           </a:p>
-          <a:p>
-            <a:r>
-              <a:rPr lang="en-US" altLang="zh-CN" sz="2000">
-                <a:ln/>
-                <a:solidFill>
-                  <a:schemeClr val="accent1"/>
-                </a:solidFill>
-                <a:effectLst>
-                  <a:outerShdw blurRad="38100" dist="25400" dir="5400000" algn="ctr" rotWithShape="0">
-                    <a:srgbClr val="6E747A">
-                      <a:alpha val="43000"/>
-                    </a:srgbClr>
-                  </a:outerShdw>
-                </a:effectLst>
-              </a:rPr>
-              <a:t>								  </a:t>
-            </a:r>
-            <a:endParaRPr lang="zh-CN" altLang="en-US" sz="2000">
-              <a:ln/>
-              <a:solidFill>
-                <a:schemeClr val="accent1"/>
-              </a:solidFill>
-              <a:effectLst>
-                <a:outerShdw blurRad="38100" dist="25400" dir="5400000" algn="ctr" rotWithShape="0">
-                  <a:srgbClr val="6E747A">
-                    <a:alpha val="43000"/>
-                  </a:srgbClr>
-                </a:outerShdw>
-              </a:effectLst>
-            </a:endParaRPr>
-          </a:p>
         </p:txBody>
       </p:sp>
       <p:sp>
@@ -5607,6 +5464,7 @@
           <a:bodyPr wrap="square" rtlCol="0">
             <a:spAutoFit/>
           </a:bodyPr>
+          <a:lstStyle/>
           <a:p>
             <a:pPr algn="l"/>
             <a:r>
@@ -5643,20 +5501,6 @@
               </a:rPr>
               <a:t>ttps://github.com/AllenAdom</a:t>
             </a:r>
-            <a:endParaRPr lang="zh-CN" altLang="en-US" sz="2000">
-              <a:ln/>
-              <a:solidFill>
-                <a:schemeClr val="accent1"/>
-              </a:solidFill>
-              <a:effectLst>
-                <a:outerShdw blurRad="38100" dist="25400" dir="5400000" algn="ctr" rotWithShape="0">
-                  <a:srgbClr val="6E747A">
-                    <a:alpha val="43000"/>
-                  </a:srgbClr>
-                </a:outerShdw>
-              </a:effectLst>
-              <a:sym typeface="+mn-ea"/>
-            </a:endParaRPr>
           </a:p>
           <a:p>
             <a:r>
@@ -5707,19 +5551,6 @@
               </a:rPr>
               <a:t>并给我点星</a:t>
             </a:r>
-            <a:endParaRPr lang="zh-CN" altLang="en-US">
-              <a:ln/>
-              <a:solidFill>
-                <a:schemeClr val="accent1"/>
-              </a:solidFill>
-              <a:effectLst>
-                <a:outerShdw blurRad="38100" dist="25400" dir="5400000" algn="ctr" rotWithShape="0">
-                  <a:srgbClr val="6E747A">
-                    <a:alpha val="43000"/>
-                  </a:srgbClr>
-                </a:outerShdw>
-              </a:effectLst>
-            </a:endParaRPr>
           </a:p>
         </p:txBody>
       </p:sp>
@@ -6391,13 +6222,6 @@
               </a:rPr>
               <a:t>系统未来目标</a:t>
             </a:r>
-            <a:endParaRPr lang="zh-CN" altLang="en-US" sz="2400" dirty="0">
-              <a:solidFill>
-                <a:srgbClr val="0E6EB8"/>
-              </a:solidFill>
-              <a:latin typeface="微软雅黑 Light" panose="020B0502040204020203" pitchFamily="34" charset="-122"/>
-              <a:ea typeface="微软雅黑 Light" panose="020B0502040204020203" pitchFamily="34" charset="-122"/>
-            </a:endParaRPr>
           </a:p>
         </p:txBody>
       </p:sp>
@@ -6447,7 +6271,7 @@
         </p:nvSpPr>
         <p:spPr>
           <a:xfrm>
-            <a:off x="5042254" y="6435070"/>
+            <a:off x="5162550" y="6373357"/>
             <a:ext cx="1325880" cy="365760"/>
           </a:xfrm>
           <a:prstGeom prst="rect">
@@ -6459,6 +6283,7 @@
           <a:bodyPr wrap="none" rtlCol="0">
             <a:spAutoFit/>
           </a:bodyPr>
+          <a:lstStyle/>
           <a:p>
             <a:pPr algn="ctr"/>
             <a:r>
@@ -6714,14 +6539,6 @@
               </a:rPr>
               <a:t>至此基于微信小程序的课堂点名系统的设计实现已告一段落，</a:t>
             </a:r>
-            <a:endParaRPr lang="zh-CN" altLang="en-US" sz="2800">
-              <a:solidFill>
-                <a:schemeClr val="accent5">
-                  <a:lumMod val="75000"/>
-                </a:schemeClr>
-              </a:solidFill>
-              <a:latin typeface="汉仪细圆简"/>
-            </a:endParaRPr>
           </a:p>
           <a:p>
             <a:r>
@@ -6735,14 +6552,6 @@
               </a:rPr>
               <a:t>我由衷的感谢在开发过程中曾给予我帮助和支持的老师同学，</a:t>
             </a:r>
-            <a:endParaRPr lang="zh-CN" altLang="en-US" sz="2800">
-              <a:solidFill>
-                <a:schemeClr val="accent5">
-                  <a:lumMod val="75000"/>
-                </a:schemeClr>
-              </a:solidFill>
-              <a:latin typeface="汉仪细圆简"/>
-            </a:endParaRPr>
           </a:p>
           <a:p>
             <a:r>
@@ -6756,14 +6565,6 @@
               </a:rPr>
               <a:t>尤其是朱海林老师，谢谢你们！</a:t>
             </a:r>
-            <a:endParaRPr lang="zh-CN" altLang="en-US" sz="2800">
-              <a:solidFill>
-                <a:schemeClr val="accent5">
-                  <a:lumMod val="75000"/>
-                </a:schemeClr>
-              </a:solidFill>
-              <a:latin typeface="汉仪细圆简"/>
-            </a:endParaRPr>
           </a:p>
         </p:txBody>
       </p:sp>
@@ -6775,7 +6576,7 @@
         </p:nvSpPr>
         <p:spPr>
           <a:xfrm>
-            <a:off x="4984469" y="6328390"/>
+            <a:off x="5187669" y="6373357"/>
             <a:ext cx="1325880" cy="365760"/>
           </a:xfrm>
           <a:prstGeom prst="rect">
@@ -6787,6 +6588,7 @@
           <a:bodyPr wrap="none" rtlCol="0">
             <a:spAutoFit/>
           </a:bodyPr>
+          <a:lstStyle/>
           <a:p>
             <a:pPr algn="ctr"/>
             <a:r>
@@ -7891,17 +7693,6 @@
               </a:rPr>
               <a:t>%</a:t>
             </a:r>
-            <a:endParaRPr lang="en-US" altLang="zh-CN" sz="2400" dirty="0">
-              <a:solidFill>
-                <a:schemeClr val="tx1">
-                  <a:lumMod val="75000"/>
-                  <a:lumOff val="25000"/>
-                </a:schemeClr>
-              </a:solidFill>
-              <a:latin typeface="微软雅黑" pitchFamily="34" charset="-122"/>
-              <a:ea typeface="微软雅黑" pitchFamily="34" charset="-122"/>
-              <a:cs typeface="Arial" pitchFamily="34" charset="0"/>
-            </a:endParaRPr>
           </a:p>
         </p:txBody>
       </p:sp>
@@ -8213,17 +8004,6 @@
               </a:rPr>
               <a:t>%</a:t>
             </a:r>
-            <a:endParaRPr lang="en-US" altLang="zh-CN" sz="2400" dirty="0">
-              <a:solidFill>
-                <a:schemeClr val="tx1">
-                  <a:lumMod val="75000"/>
-                  <a:lumOff val="25000"/>
-                </a:schemeClr>
-              </a:solidFill>
-              <a:latin typeface="微软雅黑" pitchFamily="34" charset="-122"/>
-              <a:ea typeface="微软雅黑" pitchFamily="34" charset="-122"/>
-              <a:cs typeface="Arial" pitchFamily="34" charset="0"/>
-            </a:endParaRPr>
           </a:p>
         </p:txBody>
       </p:sp>
@@ -8330,11 +8110,6 @@
               </a:rPr>
               <a:t>用户体验、系统功能</a:t>
             </a:r>
-            <a:endParaRPr lang="zh-CN" altLang="en-US" sz="1800" dirty="0">
-              <a:solidFill>
-                <a:srgbClr val="0E6EB8"/>
-              </a:solidFill>
-            </a:endParaRPr>
           </a:p>
         </p:txBody>
       </p:sp>
@@ -8442,11 +8217,6 @@
               </a:rPr>
               <a:t>吞吐量、弱依赖性</a:t>
             </a:r>
-            <a:endParaRPr lang="zh-CN" altLang="en-US" sz="1800" dirty="0">
-              <a:solidFill>
-                <a:srgbClr val="0E6EB8"/>
-              </a:solidFill>
-            </a:endParaRPr>
           </a:p>
         </p:txBody>
       </p:sp>
@@ -8498,11 +8268,6 @@
               </a:rPr>
               <a:t>更高的适用性</a:t>
             </a:r>
-            <a:endParaRPr lang="zh-CN" altLang="en-US" sz="1800" dirty="0">
-              <a:solidFill>
-                <a:srgbClr val="0E6EB8"/>
-              </a:solidFill>
-            </a:endParaRPr>
           </a:p>
         </p:txBody>
       </p:sp>
@@ -8526,6 +8291,7 @@
           <a:bodyPr wrap="none" rtlCol="0">
             <a:spAutoFit/>
           </a:bodyPr>
+          <a:lstStyle/>
           <a:p>
             <a:pPr algn="ctr"/>
             <a:r>
@@ -8824,14 +8590,6 @@
               </a:rPr>
               <a:t>完善的系统功能</a:t>
             </a:r>
-            <a:endParaRPr lang="zh-CN" altLang="en-US" sz="2400" b="1" dirty="0">
-              <a:solidFill>
-                <a:prstClr val="white"/>
-              </a:solidFill>
-              <a:latin typeface="微软雅黑 Light" panose="020B0502040204020203" pitchFamily="34" charset="-122"/>
-              <a:ea typeface="微软雅黑 Light" panose="020B0502040204020203" pitchFamily="34" charset="-122"/>
-              <a:sym typeface="+mn-ea"/>
-            </a:endParaRPr>
           </a:p>
           <a:p>
             <a:pPr indent="0" algn="ctr">
@@ -8873,13 +8631,6 @@
               </a:rPr>
               <a:t>     </a:t>
             </a:r>
-            <a:endParaRPr lang="zh-CN" altLang="en-US" sz="2400" b="1" dirty="0">
-              <a:solidFill>
-                <a:prstClr val="white"/>
-              </a:solidFill>
-              <a:latin typeface="微软雅黑 Light" panose="020B0502040204020203" pitchFamily="34" charset="-122"/>
-              <a:ea typeface="微软雅黑 Light" panose="020B0502040204020203" pitchFamily="34" charset="-122"/>
-            </a:endParaRPr>
           </a:p>
         </p:txBody>
       </p:sp>
@@ -8903,6 +8654,7 @@
           <a:bodyPr wrap="none" rtlCol="0">
             <a:spAutoFit/>
           </a:bodyPr>
+          <a:lstStyle/>
           <a:p>
             <a:pPr algn="l"/>
             <a:r>
@@ -9388,12 +9140,6 @@
               </a:rPr>
               <a:t>开发效率高</a:t>
             </a:r>
-            <a:endParaRPr lang="zh-CN" altLang="en-US" smtClean="0">
-              <a:solidFill>
-                <a:schemeClr val="accent5"/>
-              </a:solidFill>
-              <a:ea typeface="汉仪细圆简"/>
-            </a:endParaRPr>
           </a:p>
           <a:p>
             <a:pPr indent="0">
@@ -9429,12 +9175,6 @@
               </a:rPr>
               <a:t>框架成熟稳定</a:t>
             </a:r>
-            <a:endParaRPr lang="zh-CN" altLang="en-US" smtClean="0">
-              <a:solidFill>
-                <a:schemeClr val="accent5"/>
-              </a:solidFill>
-              <a:ea typeface="汉仪细圆简"/>
-            </a:endParaRPr>
           </a:p>
           <a:p>
             <a:pPr indent="0">
@@ -9518,12 +9258,6 @@
               </a:rPr>
               <a:t>：我是看门人</a:t>
             </a:r>
-            <a:endParaRPr lang="zh-CN" altLang="en-US" smtClean="0">
-              <a:solidFill>
-                <a:schemeClr val="accent5"/>
-              </a:solidFill>
-              <a:ea typeface="汉仪细圆简"/>
-            </a:endParaRPr>
           </a:p>
           <a:p>
             <a:pPr indent="0">
@@ -9622,12 +9356,6 @@
               </a:rPr>
               <a:t>：我是园丁</a:t>
             </a:r>
-            <a:endParaRPr lang="zh-CN" altLang="en-US" smtClean="0">
-              <a:solidFill>
-                <a:schemeClr val="accent5"/>
-              </a:solidFill>
-              <a:ea typeface="汉仪细圆简"/>
-            </a:endParaRPr>
           </a:p>
           <a:p>
             <a:pPr>
@@ -10150,6 +9878,7 @@
           <a:bodyPr wrap="none" rtlCol="0">
             <a:spAutoFit/>
           </a:bodyPr>
+          <a:lstStyle/>
           <a:p>
             <a:pPr algn="ctr"/>
             <a:r>
@@ -10277,12 +10006,6 @@
               </a:rPr>
               <a:t>角色选择</a:t>
             </a:r>
-            <a:endParaRPr lang="zh-CN" altLang="en-US" sz="2400">
-              <a:solidFill>
-                <a:schemeClr val="accent5"/>
-              </a:solidFill>
-              <a:latin typeface="汉仪细圆简"/>
-            </a:endParaRPr>
           </a:p>
         </p:txBody>
       </p:sp>
@@ -10295,7 +10018,7 @@
           <p:nvPr/>
         </p:nvPicPr>
         <p:blipFill>
-          <a:blip r:embed="rId1"/>
+          <a:blip r:embed="rId2"/>
           <a:stretch>
             <a:fillRect/>
           </a:stretch>
@@ -10319,7 +10042,7 @@
           <p:nvPr/>
         </p:nvPicPr>
         <p:blipFill>
-          <a:blip r:embed="rId2"/>
+          <a:blip r:embed="rId3"/>
           <a:stretch>
             <a:fillRect/>
           </a:stretch>
@@ -10354,6 +10077,7 @@
           <a:bodyPr wrap="none" rtlCol="0">
             <a:spAutoFit/>
           </a:bodyPr>
+          <a:lstStyle/>
           <a:p>
             <a:r>
               <a:rPr lang="zh-CN" altLang="en-US" sz="2400">
@@ -10364,12 +10088,6 @@
               </a:rPr>
               <a:t>账号绑定</a:t>
             </a:r>
-            <a:endParaRPr lang="zh-CN" altLang="en-US" sz="2400">
-              <a:solidFill>
-                <a:schemeClr val="accent5"/>
-              </a:solidFill>
-              <a:latin typeface="汉仪细圆简"/>
-            </a:endParaRPr>
           </a:p>
         </p:txBody>
       </p:sp>
@@ -10393,6 +10111,7 @@
           <a:bodyPr wrap="none" rtlCol="0">
             <a:spAutoFit/>
           </a:bodyPr>
+          <a:lstStyle/>
           <a:p>
             <a:pPr algn="ctr"/>
             <a:r>
@@ -10520,12 +10239,6 @@
               </a:rPr>
               <a:t>教师端</a:t>
             </a:r>
-            <a:endParaRPr lang="zh-CN" altLang="en-US" sz="2400">
-              <a:solidFill>
-                <a:schemeClr val="accent5"/>
-              </a:solidFill>
-              <a:latin typeface="汉仪细圆简"/>
-            </a:endParaRPr>
           </a:p>
         </p:txBody>
       </p:sp>
@@ -10538,7 +10251,7 @@
           <p:nvPr/>
         </p:nvPicPr>
         <p:blipFill>
-          <a:blip r:embed="rId1"/>
+          <a:blip r:embed="rId2"/>
           <a:stretch>
             <a:fillRect/>
           </a:stretch>
@@ -10562,7 +10275,7 @@
           <p:nvPr/>
         </p:nvPicPr>
         <p:blipFill>
-          <a:blip r:embed="rId2"/>
+          <a:blip r:embed="rId3"/>
           <a:stretch>
             <a:fillRect/>
           </a:stretch>
@@ -10597,6 +10310,7 @@
           <a:bodyPr wrap="none" rtlCol="0">
             <a:spAutoFit/>
           </a:bodyPr>
+          <a:lstStyle/>
           <a:p>
             <a:r>
               <a:rPr lang="zh-CN" altLang="en-US" sz="2400">
@@ -10607,12 +10321,6 @@
               </a:rPr>
               <a:t>学生端</a:t>
             </a:r>
-            <a:endParaRPr lang="zh-CN" altLang="en-US" sz="2400">
-              <a:solidFill>
-                <a:schemeClr val="accent5"/>
-              </a:solidFill>
-              <a:latin typeface="汉仪细圆简"/>
-            </a:endParaRPr>
           </a:p>
         </p:txBody>
       </p:sp>
@@ -10636,6 +10344,7 @@
           <a:bodyPr wrap="none" rtlCol="0">
             <a:spAutoFit/>
           </a:bodyPr>
+          <a:lstStyle/>
           <a:p>
             <a:pPr algn="ctr"/>
             <a:r>
@@ -10791,7 +10500,7 @@
           <p:nvPr/>
         </p:nvPicPr>
         <p:blipFill>
-          <a:blip r:embed="rId1"/>
+          <a:blip r:embed="rId2"/>
           <a:stretch>
             <a:fillRect/>
           </a:stretch>
@@ -10815,7 +10524,7 @@
           <p:nvPr/>
         </p:nvPicPr>
         <p:blipFill>
-          <a:blip r:embed="rId2"/>
+          <a:blip r:embed="rId3"/>
           <a:stretch>
             <a:fillRect/>
           </a:stretch>
@@ -10850,6 +10559,7 @@
           <a:bodyPr wrap="none" rtlCol="0">
             <a:spAutoFit/>
           </a:bodyPr>
+          <a:lstStyle/>
           <a:p>
             <a:r>
               <a:rPr lang="en-US" altLang="zh-CN" sz="2400">
@@ -10869,12 +10579,6 @@
               </a:rPr>
               <a:t>）学生端提交验证码</a:t>
             </a:r>
-            <a:endParaRPr lang="zh-CN" altLang="en-US" sz="2400">
-              <a:solidFill>
-                <a:schemeClr val="accent5"/>
-              </a:solidFill>
-              <a:latin typeface="汉仪细圆简"/>
-            </a:endParaRPr>
           </a:p>
         </p:txBody>
       </p:sp>
@@ -10898,6 +10602,7 @@
           <a:bodyPr wrap="none" rtlCol="0">
             <a:spAutoFit/>
           </a:bodyPr>
+          <a:lstStyle/>
           <a:p>
             <a:pPr algn="ctr"/>
             <a:r>
@@ -11016,6 +10721,7 @@
           <a:bodyPr wrap="none" rtlCol="0">
             <a:spAutoFit/>
           </a:bodyPr>
+          <a:lstStyle/>
           <a:p>
             <a:pPr algn="ctr"/>
             <a:r>
@@ -11049,7 +10755,7 @@
           <p:nvPr/>
         </p:nvPicPr>
         <p:blipFill>
-          <a:blip r:embed="rId1"/>
+          <a:blip r:embed="rId2"/>
           <a:stretch>
             <a:fillRect/>
           </a:stretch>

--- a/finalDocuments/魏鹏程-PPT-基于微信小程序的课堂点名系统.pptx
+++ b/finalDocuments/魏鹏程-PPT-基于微信小程序的课堂点名系统.pptx
@@ -276,7 +276,7 @@
                   </a:prstClr>
                 </a:solidFill>
               </a:rPr>
-              <a:t>2019/5/28</a:t>
+              <a:t>2019/6/10</a:t>
             </a:fld>
             <a:endParaRPr lang="zh-CN" altLang="en-US">
               <a:solidFill>
@@ -471,7 +471,7 @@
                   </a:prstClr>
                 </a:solidFill>
               </a:rPr>
-              <a:t>2019/5/28</a:t>
+              <a:t>2019/6/10</a:t>
             </a:fld>
             <a:endParaRPr lang="zh-CN" altLang="en-US">
               <a:solidFill>
@@ -676,7 +676,7 @@
                   </a:prstClr>
                 </a:solidFill>
               </a:rPr>
-              <a:t>2019/5/28</a:t>
+              <a:t>2019/6/10</a:t>
             </a:fld>
             <a:endParaRPr lang="zh-CN" altLang="en-US">
               <a:solidFill>
@@ -871,7 +871,7 @@
                   </a:prstClr>
                 </a:solidFill>
               </a:rPr>
-              <a:t>2019/5/28</a:t>
+              <a:t>2019/6/10</a:t>
             </a:fld>
             <a:endParaRPr lang="zh-CN" altLang="en-US">
               <a:solidFill>
@@ -1142,7 +1142,7 @@
                   </a:prstClr>
                 </a:solidFill>
               </a:rPr>
-              <a:t>2019/5/28</a:t>
+              <a:t>2019/6/10</a:t>
             </a:fld>
             <a:endParaRPr lang="zh-CN" altLang="en-US">
               <a:solidFill>
@@ -1399,7 +1399,7 @@
                   </a:prstClr>
                 </a:solidFill>
               </a:rPr>
-              <a:t>2019/5/28</a:t>
+              <a:t>2019/6/10</a:t>
             </a:fld>
             <a:endParaRPr lang="zh-CN" altLang="en-US">
               <a:solidFill>
@@ -1791,7 +1791,7 @@
                   </a:prstClr>
                 </a:solidFill>
               </a:rPr>
-              <a:t>2019/5/28</a:t>
+              <a:t>2019/6/10</a:t>
             </a:fld>
             <a:endParaRPr lang="zh-CN" altLang="en-US">
               <a:solidFill>
@@ -1934,7 +1934,7 @@
                   </a:prstClr>
                 </a:solidFill>
               </a:rPr>
-              <a:t>2019/5/28</a:t>
+              <a:t>2019/6/10</a:t>
             </a:fld>
             <a:endParaRPr lang="zh-CN" altLang="en-US">
               <a:solidFill>
@@ -2054,7 +2054,7 @@
                   </a:prstClr>
                 </a:solidFill>
               </a:rPr>
-              <a:t>2019/5/28</a:t>
+              <a:t>2019/6/10</a:t>
             </a:fld>
             <a:endParaRPr lang="zh-CN" altLang="en-US">
               <a:solidFill>
@@ -2356,7 +2356,7 @@
                   </a:prstClr>
                 </a:solidFill>
               </a:rPr>
-              <a:t>2019/5/28</a:t>
+              <a:t>2019/6/10</a:t>
             </a:fld>
             <a:endParaRPr lang="zh-CN" altLang="en-US">
               <a:solidFill>
@@ -2634,7 +2634,7 @@
                   </a:prstClr>
                 </a:solidFill>
               </a:rPr>
-              <a:t>2019/5/28</a:t>
+              <a:t>2019/6/10</a:t>
             </a:fld>
             <a:endParaRPr lang="zh-CN" altLang="en-US">
               <a:solidFill>
@@ -2872,7 +2872,7 @@
                   </a:prstClr>
                 </a:solidFill>
               </a:rPr>
-              <a:t>2019/5/28</a:t>
+              <a:t>2019/6/10</a:t>
             </a:fld>
             <a:endParaRPr lang="zh-CN" altLang="en-US">
               <a:solidFill>
@@ -6460,8 +6460,8 @@
         </p:nvSpPr>
         <p:spPr>
           <a:xfrm>
-            <a:off x="1064404" y="581995"/>
-            <a:ext cx="2954656" cy="923330"/>
+            <a:off x="4877754" y="2555835"/>
+            <a:ext cx="2262159" cy="923330"/>
           </a:xfrm>
           <a:prstGeom prst="rect">
             <a:avLst/>
@@ -6483,7 +6483,7 @@
                 <a:latin typeface="微软雅黑 Light" panose="020B0502040204020203" pitchFamily="34" charset="-122"/>
                 <a:ea typeface="微软雅黑 Light" panose="020B0502040204020203" pitchFamily="34" charset="-122"/>
               </a:rPr>
-              <a:t>结束语：</a:t>
+              <a:t>谢谢！</a:t>
             </a:r>
             <a:endParaRPr lang="zh-CN" altLang="en-US" sz="5400" dirty="0">
               <a:solidFill>
@@ -6504,7 +6504,7 @@
         <p:spPr>
           <a:xfrm>
             <a:off x="1292225" y="2494280"/>
-            <a:ext cx="10495280" cy="1468120"/>
+            <a:ext cx="633507" cy="523220"/>
           </a:xfrm>
           <a:prstGeom prst="rect">
             <a:avLst/>
@@ -6518,7 +6518,7 @@
           <a:lstStyle/>
           <a:p>
             <a:r>
-              <a:rPr lang="en-US" altLang="zh-CN" sz="2800">
+              <a:rPr lang="en-US" altLang="zh-CN" sz="2800" dirty="0">
                 <a:solidFill>
                   <a:schemeClr val="accent5">
                     <a:lumMod val="75000"/>
@@ -6528,43 +6528,14 @@
               </a:rPr>
               <a:t>     </a:t>
             </a:r>
-            <a:r>
-              <a:rPr lang="zh-CN" altLang="en-US" sz="2800">
-                <a:solidFill>
-                  <a:schemeClr val="accent5">
-                    <a:lumMod val="75000"/>
-                  </a:schemeClr>
-                </a:solidFill>
-                <a:latin typeface="汉仪细圆简"/>
-              </a:rPr>
-              <a:t>至此基于微信小程序的课堂点名系统的设计实现已告一段落，</a:t>
-            </a:r>
-          </a:p>
-          <a:p>
-            <a:r>
-              <a:rPr lang="zh-CN" altLang="en-US" sz="2800">
-                <a:solidFill>
-                  <a:schemeClr val="accent5">
-                    <a:lumMod val="75000"/>
-                  </a:schemeClr>
-                </a:solidFill>
-                <a:latin typeface="汉仪细圆简"/>
-              </a:rPr>
-              <a:t>我由衷的感谢在开发过程中曾给予我帮助和支持的老师同学，</a:t>
-            </a:r>
-          </a:p>
-          <a:p>
-            <a:r>
-              <a:rPr lang="zh-CN" altLang="en-US" sz="2800">
-                <a:solidFill>
-                  <a:schemeClr val="accent5">
-                    <a:lumMod val="75000"/>
-                  </a:schemeClr>
-                </a:solidFill>
-                <a:latin typeface="汉仪细圆简"/>
-              </a:rPr>
-              <a:t>尤其是朱海林老师，谢谢你们！</a:t>
-            </a:r>
+            <a:endParaRPr lang="zh-CN" altLang="en-US" sz="2800" dirty="0">
+              <a:solidFill>
+                <a:schemeClr val="accent5">
+                  <a:lumMod val="75000"/>
+                </a:schemeClr>
+              </a:solidFill>
+              <a:latin typeface="汉仪细圆简"/>
+            </a:endParaRPr>
           </a:p>
         </p:txBody>
       </p:sp>
